--- a/Report/부트캠프_07기_01반_결과보고서(1팀).pptx
+++ b/Report/부트캠프_07기_01반_결과보고서(1팀).pptx
@@ -1208,171 +1208,6 @@
       </p:sp>
       <p:sp>
         <p:nvSpPr>
-          <p:cNvPr id="3" name="직사각형 2"/>
-          <p:cNvSpPr/>
-          <p:nvPr/>
-        </p:nvSpPr>
-        <p:spPr>
-          <a:xfrm>
-            <a:off x="884420" y="10253510"/>
-            <a:ext cx="11092721" cy="1798820"/>
-          </a:xfrm>
-          <a:prstGeom prst="rect">
-            <a:avLst/>
-          </a:prstGeom>
-          <a:solidFill>
-            <a:srgbClr val="FFFF00"/>
-          </a:solidFill>
-        </p:spPr>
-        <p:style>
-          <a:lnRef idx="2">
-            <a:schemeClr val="accent1">
-              <a:shade val="50000"/>
-            </a:schemeClr>
-          </a:lnRef>
-          <a:fillRef idx="1">
-            <a:schemeClr val="accent1"/>
-          </a:fillRef>
-          <a:effectRef idx="0">
-            <a:schemeClr val="accent1"/>
-          </a:effectRef>
-          <a:fontRef idx="minor">
-            <a:schemeClr val="lt1"/>
-          </a:fontRef>
-        </p:style>
-        <p:txBody>
-          <a:bodyPr rtlCol="0" anchor="ctr"/>
-          <a:lstStyle/>
-          <a:p>
-            <a:pPr marL="457200" indent="-457200">
-              <a:buFontTx/>
-              <a:buChar char="-"/>
-            </a:pPr>
-            <a:r>
-              <a:rPr lang="ko-KR" altLang="en-US" sz="3200" b="1">
-                <a:solidFill>
-                  <a:srgbClr val="FF0000"/>
-                </a:solidFill>
-              </a:rPr>
-              <a:t>개발 결과물의 추후 개선점</a:t>
-            </a:r>
-            <a:r>
-              <a:rPr lang="en-US" altLang="ko-KR" sz="3200" b="1">
-                <a:solidFill>
-                  <a:srgbClr val="FF0000"/>
-                </a:solidFill>
-              </a:rPr>
-              <a:t>, </a:t>
-            </a:r>
-            <a:r>
-              <a:rPr lang="ko-KR" altLang="en-US" sz="3200" b="1">
-                <a:solidFill>
-                  <a:srgbClr val="FF0000"/>
-                </a:solidFill>
-              </a:rPr>
-              <a:t>후속 개발 주제 등에 대한 </a:t>
-            </a:r>
-            <a:r>
-              <a:rPr lang="ko-KR" altLang="en-US" sz="3200" b="1" smtClean="0">
-                <a:solidFill>
-                  <a:srgbClr val="FF0000"/>
-                </a:solidFill>
-              </a:rPr>
-              <a:t>내용</a:t>
-            </a:r>
-            <a:r>
-              <a:rPr lang="en-US" altLang="ko-KR" sz="3200" b="1" smtClean="0">
-                <a:solidFill>
-                  <a:srgbClr val="FF0000"/>
-                </a:solidFill>
-              </a:rPr>
-              <a:t>(</a:t>
-            </a:r>
-            <a:r>
-              <a:rPr lang="ko-KR" altLang="en-US" sz="3200" b="1" smtClean="0">
-                <a:solidFill>
-                  <a:srgbClr val="FF0000"/>
-                </a:solidFill>
-              </a:rPr>
-              <a:t>현재 상용 </a:t>
-            </a:r>
-            <a:r>
-              <a:rPr lang="en-US" altLang="ko-KR" sz="3200" b="1" smtClean="0">
-                <a:solidFill>
-                  <a:srgbClr val="FF0000"/>
-                </a:solidFill>
-              </a:rPr>
-              <a:t>RTOS </a:t>
-            </a:r>
-            <a:r>
-              <a:rPr lang="ko-KR" altLang="en-US" sz="3200" b="1" smtClean="0">
-                <a:solidFill>
-                  <a:srgbClr val="FF0000"/>
-                </a:solidFill>
-              </a:rPr>
-              <a:t>기능 몇 개 찾아서 추가하면 됨</a:t>
-            </a:r>
-            <a:r>
-              <a:rPr lang="en-US" altLang="ko-KR" sz="3200" b="1" smtClean="0">
-                <a:solidFill>
-                  <a:srgbClr val="FF0000"/>
-                </a:solidFill>
-              </a:rPr>
-              <a:t>)</a:t>
-            </a:r>
-            <a:endParaRPr lang="en-US" altLang="ko-KR" sz="3200" b="1">
-              <a:solidFill>
-                <a:srgbClr val="FF0000"/>
-              </a:solidFill>
-            </a:endParaRPr>
-          </a:p>
-          <a:p>
-            <a:pPr marL="457200" indent="-457200">
-              <a:buFontTx/>
-              <a:buChar char="-"/>
-            </a:pPr>
-            <a:r>
-              <a:rPr lang="ko-KR" altLang="en-US" sz="3200" b="1">
-                <a:solidFill>
-                  <a:schemeClr val="tx1"/>
-                </a:solidFill>
-              </a:rPr>
-              <a:t>가급적 </a:t>
-            </a:r>
-            <a:r>
-              <a:rPr lang="en-US" altLang="ko-KR" sz="3200" b="1">
-                <a:solidFill>
-                  <a:schemeClr val="tx1"/>
-                </a:solidFill>
-              </a:rPr>
-              <a:t>1</a:t>
-            </a:r>
-            <a:r>
-              <a:rPr lang="ko-KR" altLang="en-US" sz="3200" b="1">
-                <a:solidFill>
-                  <a:schemeClr val="tx1"/>
-                </a:solidFill>
-              </a:rPr>
-              <a:t>페이지로 </a:t>
-            </a:r>
-            <a:r>
-              <a:rPr lang="ko-KR" altLang="en-US" sz="3200" b="1" smtClean="0">
-                <a:solidFill>
-                  <a:schemeClr val="tx1"/>
-                </a:solidFill>
-              </a:rPr>
-              <a:t>요약ㅇㅋ</a:t>
-            </a:r>
-            <a:endParaRPr lang="ko-KR" altLang="en-US" sz="3200" b="1">
-              <a:solidFill>
-                <a:schemeClr val="tx1"/>
-              </a:solidFill>
-            </a:endParaRPr>
-          </a:p>
-        </p:txBody>
-      </p:sp>
-      <p:sp>
-        <p:nvSpPr>
           <p:cNvPr id="4" name="TextBox 3"/>
           <p:cNvSpPr txBox="1"/>
           <p:nvPr/>
@@ -2937,56 +2772,6 @@
           </a:p>
         </p:txBody>
       </p:sp>
-      <p:sp>
-        <p:nvSpPr>
-          <p:cNvPr id="7" name="직사각형 6"/>
-          <p:cNvSpPr/>
-          <p:nvPr/>
-        </p:nvSpPr>
-        <p:spPr>
-          <a:xfrm>
-            <a:off x="10750089" y="7383726"/>
-            <a:ext cx="6248622" cy="1184223"/>
-          </a:xfrm>
-          <a:prstGeom prst="rect">
-            <a:avLst/>
-          </a:prstGeom>
-          <a:solidFill>
-            <a:srgbClr val="FFFF00"/>
-          </a:solidFill>
-        </p:spPr>
-        <p:style>
-          <a:lnRef idx="2">
-            <a:schemeClr val="accent1">
-              <a:shade val="50000"/>
-            </a:schemeClr>
-          </a:lnRef>
-          <a:fillRef idx="1">
-            <a:schemeClr val="accent1"/>
-          </a:fillRef>
-          <a:effectRef idx="0">
-            <a:schemeClr val="accent1"/>
-          </a:effectRef>
-          <a:fontRef idx="minor">
-            <a:schemeClr val="lt1"/>
-          </a:fontRef>
-        </p:style>
-        <p:txBody>
-          <a:bodyPr rtlCol="0" anchor="ctr"/>
-          <a:lstStyle/>
-          <a:p>
-            <a:pPr algn="ctr"/>
-            <a:r>
-              <a:rPr lang="ko-KR" altLang="en-US" sz="3200" b="1">
-                <a:solidFill>
-                  <a:schemeClr val="tx1"/>
-                </a:solidFill>
-              </a:rPr>
-              <a:t>필요시 목차 임의 수정 가능</a:t>
-            </a:r>
-          </a:p>
-        </p:txBody>
-      </p:sp>
     </p:spTree>
   </p:cSld>
   <p:clrMapOvr>
@@ -3060,191 +2845,6 @@
                 <a:ea typeface="LG스마트체2.0 Regular" panose="020B0600000101010101" pitchFamily="50" charset="-127"/>
               </a:rPr>
               <a:t>주제 및 결과 요약</a:t>
-            </a:r>
-          </a:p>
-        </p:txBody>
-      </p:sp>
-      <p:sp>
-        <p:nvSpPr>
-          <p:cNvPr id="3" name="직사각형 2"/>
-          <p:cNvSpPr/>
-          <p:nvPr/>
-        </p:nvSpPr>
-        <p:spPr>
-          <a:xfrm>
-            <a:off x="2171700" y="10279817"/>
-            <a:ext cx="12660129" cy="2883733"/>
-          </a:xfrm>
-          <a:prstGeom prst="rect">
-            <a:avLst/>
-          </a:prstGeom>
-          <a:solidFill>
-            <a:srgbClr val="FFFF00"/>
-          </a:solidFill>
-        </p:spPr>
-        <p:style>
-          <a:lnRef idx="2">
-            <a:schemeClr val="accent1">
-              <a:shade val="50000"/>
-            </a:schemeClr>
-          </a:lnRef>
-          <a:fillRef idx="1">
-            <a:schemeClr val="accent1"/>
-          </a:fillRef>
-          <a:effectRef idx="0">
-            <a:schemeClr val="accent1"/>
-          </a:effectRef>
-          <a:fontRef idx="minor">
-            <a:schemeClr val="lt1"/>
-          </a:fontRef>
-        </p:style>
-        <p:txBody>
-          <a:bodyPr rtlCol="0" anchor="ctr"/>
-          <a:lstStyle/>
-          <a:p>
-            <a:r>
-              <a:rPr lang="ko-KR" altLang="en-US" sz="3200" b="1">
-                <a:solidFill>
-                  <a:schemeClr val="tx1"/>
-                </a:solidFill>
-              </a:rPr>
-              <a:t>간략하게 </a:t>
-            </a:r>
-            <a:r>
-              <a:rPr lang="en-US" altLang="ko-KR" sz="3200" b="1">
-                <a:solidFill>
-                  <a:schemeClr val="tx1"/>
-                </a:solidFill>
-              </a:rPr>
-              <a:t>1 </a:t>
-            </a:r>
-            <a:r>
-              <a:rPr lang="ko-KR" altLang="en-US" sz="3200" b="1">
-                <a:solidFill>
-                  <a:schemeClr val="tx1"/>
-                </a:solidFill>
-              </a:rPr>
-              <a:t>페이지에 프로젝트의 </a:t>
-            </a:r>
-            <a:r>
-              <a:rPr lang="ko-KR" altLang="en-US" sz="3200" b="1" smtClean="0">
-                <a:solidFill>
-                  <a:schemeClr val="tx1"/>
-                </a:solidFill>
-              </a:rPr>
-              <a:t>주</a:t>
-            </a:r>
-            <a:r>
-              <a:rPr lang="ko-KR" altLang="en-US" sz="3200" b="1" smtClean="0">
-                <a:solidFill>
-                  <a:srgbClr val="FF0000"/>
-                </a:solidFill>
-              </a:rPr>
-              <a:t>제</a:t>
-            </a:r>
-            <a:r>
-              <a:rPr lang="en-US" altLang="ko-KR" sz="3200" b="1" smtClean="0">
-                <a:solidFill>
-                  <a:srgbClr val="FF0000"/>
-                </a:solidFill>
-              </a:rPr>
-              <a:t>(RTOS </a:t>
-            </a:r>
-            <a:r>
-              <a:rPr lang="ko-KR" altLang="en-US" sz="3200" b="1" smtClean="0">
-                <a:solidFill>
-                  <a:srgbClr val="FF0000"/>
-                </a:solidFill>
-              </a:rPr>
-              <a:t>구현</a:t>
-            </a:r>
-            <a:r>
-              <a:rPr lang="en-US" altLang="ko-KR" sz="3200" b="1" smtClean="0">
-                <a:solidFill>
-                  <a:srgbClr val="FF0000"/>
-                </a:solidFill>
-              </a:rPr>
-              <a:t>), </a:t>
-            </a:r>
-            <a:r>
-              <a:rPr lang="ko-KR" altLang="en-US" sz="3200" b="1" smtClean="0">
-                <a:solidFill>
-                  <a:srgbClr val="FF0000"/>
-                </a:solidFill>
-              </a:rPr>
-              <a:t>목표</a:t>
-            </a:r>
-            <a:r>
-              <a:rPr lang="en-US" altLang="ko-KR" sz="3200" b="1" smtClean="0">
-                <a:solidFill>
-                  <a:srgbClr val="FF0000"/>
-                </a:solidFill>
-              </a:rPr>
-              <a:t>(PJT </a:t>
-            </a:r>
-            <a:r>
-              <a:rPr lang="ko-KR" altLang="en-US" sz="3200" b="1" smtClean="0">
-                <a:solidFill>
-                  <a:srgbClr val="FF0000"/>
-                </a:solidFill>
-              </a:rPr>
-              <a:t>일정에 있는거 직접 구현하기</a:t>
-            </a:r>
-            <a:r>
-              <a:rPr lang="en-US" altLang="ko-KR" sz="3200" b="1" smtClean="0">
-                <a:solidFill>
-                  <a:srgbClr val="FF0000"/>
-                </a:solidFill>
-              </a:rPr>
-              <a:t>), </a:t>
-            </a:r>
-            <a:r>
-              <a:rPr lang="ko-KR" altLang="en-US" sz="3200" b="1" smtClean="0">
-                <a:solidFill>
-                  <a:schemeClr val="tx1"/>
-                </a:solidFill>
-              </a:rPr>
-              <a:t>결과</a:t>
-            </a:r>
-            <a:r>
-              <a:rPr lang="en-US" altLang="ko-KR" sz="3200" b="1" smtClean="0">
-                <a:solidFill>
-                  <a:schemeClr val="tx1"/>
-                </a:solidFill>
-              </a:rPr>
-              <a:t>(Snake</a:t>
-            </a:r>
-            <a:r>
-              <a:rPr lang="ko-KR" altLang="en-US" sz="3200" b="1" smtClean="0">
-                <a:solidFill>
-                  <a:schemeClr val="tx1"/>
-                </a:solidFill>
-              </a:rPr>
-              <a:t>를 통해 확인함</a:t>
-            </a:r>
-            <a:r>
-              <a:rPr lang="en-US" altLang="ko-KR" sz="3200" b="1" smtClean="0">
-                <a:solidFill>
-                  <a:schemeClr val="tx1"/>
-                </a:solidFill>
-              </a:rPr>
-              <a:t>)</a:t>
-            </a:r>
-            <a:r>
-              <a:rPr lang="ko-KR" altLang="en-US" sz="3200" b="1" smtClean="0">
-                <a:solidFill>
-                  <a:schemeClr val="tx1"/>
-                </a:solidFill>
-              </a:rPr>
-              <a:t>를 </a:t>
-            </a:r>
-            <a:r>
-              <a:rPr lang="ko-KR" altLang="en-US" sz="3200" b="1">
-                <a:solidFill>
-                  <a:schemeClr val="tx1"/>
-                </a:solidFill>
-              </a:rPr>
-              <a:t>요약</a:t>
             </a:r>
           </a:p>
         </p:txBody>
@@ -4237,14 +3837,7 @@
                 <a:latin typeface="LG스마트체2.0 Regular" panose="020B0600000101010101" pitchFamily="50" charset="-127"/>
                 <a:ea typeface="LG스마트체2.0 Regular" panose="020B0600000101010101" pitchFamily="50" charset="-127"/>
               </a:rPr>
-              <a:t> </a:t>
-            </a:r>
-            <a:r>
-              <a:rPr lang="en-US" altLang="ko-KR" sz="2000" smtClean="0">
-                <a:latin typeface="LG스마트체2.0 Regular" panose="020B0600000101010101" pitchFamily="50" charset="-127"/>
-                <a:ea typeface="LG스마트체2.0 Regular" panose="020B0600000101010101" pitchFamily="50" charset="-127"/>
-              </a:rPr>
-              <a:t>Task </a:t>
+              <a:t> Task </a:t>
             </a:r>
             <a:r>
               <a:rPr lang="ko-KR" altLang="en-US" sz="2000" smtClean="0">
@@ -5090,6 +4683,61 @@
           </p:txBody>
         </p:sp>
       </p:grpSp>
+      <p:sp>
+        <p:nvSpPr>
+          <p:cNvPr id="16" name="직사각형 15"/>
+          <p:cNvSpPr/>
+          <p:nvPr/>
+        </p:nvSpPr>
+        <p:spPr>
+          <a:xfrm>
+            <a:off x="1682307" y="6968837"/>
+            <a:ext cx="11690093" cy="2058902"/>
+          </a:xfrm>
+          <a:prstGeom prst="rect">
+            <a:avLst/>
+          </a:prstGeom>
+        </p:spPr>
+        <p:style>
+          <a:lnRef idx="2">
+            <a:schemeClr val="accent1">
+              <a:shade val="50000"/>
+            </a:schemeClr>
+          </a:lnRef>
+          <a:fillRef idx="1">
+            <a:schemeClr val="accent1"/>
+          </a:fillRef>
+          <a:effectRef idx="0">
+            <a:schemeClr val="accent1"/>
+          </a:effectRef>
+          <a:fontRef idx="minor">
+            <a:schemeClr val="lt1"/>
+          </a:fontRef>
+        </p:style>
+        <p:txBody>
+          <a:bodyPr rtlCol="0" anchor="ctr"/>
+          <a:lstStyle/>
+          <a:p>
+            <a:pPr algn="ctr"/>
+            <a:r>
+              <a:rPr lang="ko-KR" altLang="en-US" smtClean="0"/>
+              <a:t>나만 아니면 돼</a:t>
+            </a:r>
+            <a:r>
+              <a:rPr lang="en-US" altLang="ko-KR" smtClean="0"/>
+              <a:t>~~~~~~~~~~~~</a:t>
+            </a:r>
+          </a:p>
+          <a:p>
+            <a:pPr algn="ctr"/>
+            <a:r>
+              <a:rPr lang="ko-KR" altLang="en-US" smtClean="0"/>
+              <a:t>내일 만들어</a:t>
+            </a:r>
+            <a:endParaRPr lang="en-US" altLang="ko-KR" smtClean="0"/>
+          </a:p>
+        </p:txBody>
+      </p:sp>
     </p:spTree>
     <p:extLst>
       <p:ext uri="{BB962C8B-B14F-4D97-AF65-F5344CB8AC3E}">
@@ -5169,190 +4817,6 @@
               </a:rPr>
               <a:t>핵심 기술</a:t>
             </a:r>
-          </a:p>
-        </p:txBody>
-      </p:sp>
-      <p:sp>
-        <p:nvSpPr>
-          <p:cNvPr id="3" name="직사각형 2"/>
-          <p:cNvSpPr/>
-          <p:nvPr/>
-        </p:nvSpPr>
-        <p:spPr>
-          <a:xfrm>
-            <a:off x="0" y="10375067"/>
-            <a:ext cx="17346430" cy="2188564"/>
-          </a:xfrm>
-          <a:prstGeom prst="rect">
-            <a:avLst/>
-          </a:prstGeom>
-          <a:solidFill>
-            <a:srgbClr val="FFFF00"/>
-          </a:solidFill>
-        </p:spPr>
-        <p:style>
-          <a:lnRef idx="2">
-            <a:schemeClr val="accent1">
-              <a:shade val="50000"/>
-            </a:schemeClr>
-          </a:lnRef>
-          <a:fillRef idx="1">
-            <a:schemeClr val="accent1"/>
-          </a:fillRef>
-          <a:effectRef idx="0">
-            <a:schemeClr val="accent1"/>
-          </a:effectRef>
-          <a:fontRef idx="minor">
-            <a:schemeClr val="lt1"/>
-          </a:fontRef>
-        </p:style>
-        <p:txBody>
-          <a:bodyPr rtlCol="0" anchor="ctr"/>
-          <a:lstStyle/>
-          <a:p>
-            <a:pPr marL="457200" indent="-457200">
-              <a:buFontTx/>
-              <a:buChar char="-"/>
-            </a:pPr>
-            <a:r>
-              <a:rPr lang="ko-KR" altLang="en-US" sz="3200" b="1">
-                <a:solidFill>
-                  <a:schemeClr val="tx1"/>
-                </a:solidFill>
-              </a:rPr>
-              <a:t>개발에 사용된 가장 </a:t>
-            </a:r>
-            <a:r>
-              <a:rPr lang="ko-KR" altLang="en-US" sz="3200" b="1">
-                <a:solidFill>
-                  <a:srgbClr val="FF0000"/>
-                </a:solidFill>
-              </a:rPr>
-              <a:t>핵심적으로 구현된 기술 </a:t>
-            </a:r>
-            <a:r>
-              <a:rPr lang="ko-KR" altLang="en-US" sz="3200" b="1" smtClean="0">
-                <a:solidFill>
-                  <a:srgbClr val="FF0000"/>
-                </a:solidFill>
-              </a:rPr>
-              <a:t>소개</a:t>
-            </a:r>
-            <a:r>
-              <a:rPr lang="en-US" altLang="ko-KR" sz="3200" b="1" smtClean="0">
-                <a:solidFill>
-                  <a:srgbClr val="FF0000"/>
-                </a:solidFill>
-              </a:rPr>
-              <a:t>(PJT </a:t>
-            </a:r>
-            <a:r>
-              <a:rPr lang="ko-KR" altLang="en-US" sz="3200" b="1" smtClean="0">
-                <a:solidFill>
-                  <a:srgbClr val="FF0000"/>
-                </a:solidFill>
-              </a:rPr>
-              <a:t>일정에 나와있는거 소개</a:t>
-            </a:r>
-            <a:r>
-              <a:rPr lang="en-US" altLang="ko-KR" sz="3200" b="1" smtClean="0">
-                <a:solidFill>
-                  <a:srgbClr val="FF0000"/>
-                </a:solidFill>
-              </a:rPr>
-              <a:t>)</a:t>
-            </a:r>
-            <a:endParaRPr lang="en-US" altLang="ko-KR" sz="3200" b="1">
-              <a:solidFill>
-                <a:srgbClr val="FF0000"/>
-              </a:solidFill>
-            </a:endParaRPr>
-          </a:p>
-          <a:p>
-            <a:pPr marL="457200" indent="-457200">
-              <a:buFontTx/>
-              <a:buChar char="-"/>
-            </a:pPr>
-            <a:r>
-              <a:rPr lang="ko-KR" altLang="en-US" sz="3200" b="1">
-                <a:solidFill>
-                  <a:schemeClr val="tx1"/>
-                </a:solidFill>
-              </a:rPr>
-              <a:t>기술 내용 또는 소스코드 등 다양한 방법으로 </a:t>
-            </a:r>
-            <a:r>
-              <a:rPr lang="ko-KR" altLang="en-US" sz="3200" b="1">
-                <a:solidFill>
-                  <a:srgbClr val="FF0000"/>
-                </a:solidFill>
-              </a:rPr>
-              <a:t>핵심을 </a:t>
-            </a:r>
-            <a:r>
-              <a:rPr lang="ko-KR" altLang="en-US" sz="3200" b="1" smtClean="0">
-                <a:solidFill>
-                  <a:srgbClr val="FF0000"/>
-                </a:solidFill>
-              </a:rPr>
-              <a:t>소개</a:t>
-            </a:r>
-            <a:r>
-              <a:rPr lang="en-US" altLang="ko-KR" sz="3200" b="1" smtClean="0">
-                <a:solidFill>
-                  <a:srgbClr val="FF0000"/>
-                </a:solidFill>
-              </a:rPr>
-              <a:t>(</a:t>
-            </a:r>
-            <a:r>
-              <a:rPr lang="ko-KR" altLang="en-US" sz="3200" b="1" smtClean="0">
-                <a:solidFill>
-                  <a:srgbClr val="FF0000"/>
-                </a:solidFill>
-              </a:rPr>
-              <a:t>각 부분 주요한 부분 코드 보여주고 대충 설명해</a:t>
-            </a:r>
-            <a:r>
-              <a:rPr lang="en-US" altLang="ko-KR" sz="3200" b="1" smtClean="0">
-                <a:solidFill>
-                  <a:srgbClr val="FF0000"/>
-                </a:solidFill>
-              </a:rPr>
-              <a:t>)</a:t>
-            </a:r>
-            <a:endParaRPr lang="en-US" altLang="ko-KR" sz="3200" b="1">
-              <a:solidFill>
-                <a:srgbClr val="FF0000"/>
-              </a:solidFill>
-            </a:endParaRPr>
-          </a:p>
-          <a:p>
-            <a:pPr marL="457200" indent="-457200">
-              <a:buFontTx/>
-              <a:buChar char="-"/>
-            </a:pPr>
-            <a:r>
-              <a:rPr lang="ko-KR" altLang="en-US" sz="3200" b="1">
-                <a:solidFill>
-                  <a:schemeClr val="tx1"/>
-                </a:solidFill>
-              </a:rPr>
-              <a:t>페이지 수 </a:t>
-            </a:r>
-            <a:r>
-              <a:rPr lang="ko-KR" altLang="en-US" sz="3200" b="1" err="1" smtClean="0">
-                <a:solidFill>
-                  <a:schemeClr val="tx1"/>
-                </a:solidFill>
-              </a:rPr>
-              <a:t>무관ㅇㅋ</a:t>
-            </a:r>
-            <a:endParaRPr lang="ko-KR" altLang="en-US" sz="3200" b="1">
-              <a:solidFill>
-                <a:schemeClr val="tx1"/>
-              </a:solidFill>
-            </a:endParaRPr>
           </a:p>
         </p:txBody>
       </p:sp>
@@ -6630,190 +6094,6 @@
               </a:rPr>
               <a:t>핵심 기술</a:t>
             </a:r>
-          </a:p>
-        </p:txBody>
-      </p:sp>
-      <p:sp>
-        <p:nvSpPr>
-          <p:cNvPr id="3" name="직사각형 2"/>
-          <p:cNvSpPr/>
-          <p:nvPr/>
-        </p:nvSpPr>
-        <p:spPr>
-          <a:xfrm>
-            <a:off x="0" y="10375067"/>
-            <a:ext cx="17346430" cy="2188564"/>
-          </a:xfrm>
-          <a:prstGeom prst="rect">
-            <a:avLst/>
-          </a:prstGeom>
-          <a:solidFill>
-            <a:srgbClr val="FFFF00"/>
-          </a:solidFill>
-        </p:spPr>
-        <p:style>
-          <a:lnRef idx="2">
-            <a:schemeClr val="accent1">
-              <a:shade val="50000"/>
-            </a:schemeClr>
-          </a:lnRef>
-          <a:fillRef idx="1">
-            <a:schemeClr val="accent1"/>
-          </a:fillRef>
-          <a:effectRef idx="0">
-            <a:schemeClr val="accent1"/>
-          </a:effectRef>
-          <a:fontRef idx="minor">
-            <a:schemeClr val="lt1"/>
-          </a:fontRef>
-        </p:style>
-        <p:txBody>
-          <a:bodyPr rtlCol="0" anchor="ctr"/>
-          <a:lstStyle/>
-          <a:p>
-            <a:pPr marL="457200" indent="-457200">
-              <a:buFontTx/>
-              <a:buChar char="-"/>
-            </a:pPr>
-            <a:r>
-              <a:rPr lang="ko-KR" altLang="en-US" sz="3200" b="1">
-                <a:solidFill>
-                  <a:schemeClr val="tx1"/>
-                </a:solidFill>
-              </a:rPr>
-              <a:t>개발에 사용된 가장 </a:t>
-            </a:r>
-            <a:r>
-              <a:rPr lang="ko-KR" altLang="en-US" sz="3200" b="1">
-                <a:solidFill>
-                  <a:srgbClr val="FF0000"/>
-                </a:solidFill>
-              </a:rPr>
-              <a:t>핵심적으로 구현된 기술 </a:t>
-            </a:r>
-            <a:r>
-              <a:rPr lang="ko-KR" altLang="en-US" sz="3200" b="1" smtClean="0">
-                <a:solidFill>
-                  <a:srgbClr val="FF0000"/>
-                </a:solidFill>
-              </a:rPr>
-              <a:t>소개</a:t>
-            </a:r>
-            <a:r>
-              <a:rPr lang="en-US" altLang="ko-KR" sz="3200" b="1" smtClean="0">
-                <a:solidFill>
-                  <a:srgbClr val="FF0000"/>
-                </a:solidFill>
-              </a:rPr>
-              <a:t>(PJT </a:t>
-            </a:r>
-            <a:r>
-              <a:rPr lang="ko-KR" altLang="en-US" sz="3200" b="1" smtClean="0">
-                <a:solidFill>
-                  <a:srgbClr val="FF0000"/>
-                </a:solidFill>
-              </a:rPr>
-              <a:t>일정에 나와있는거 소개</a:t>
-            </a:r>
-            <a:r>
-              <a:rPr lang="en-US" altLang="ko-KR" sz="3200" b="1" smtClean="0">
-                <a:solidFill>
-                  <a:srgbClr val="FF0000"/>
-                </a:solidFill>
-              </a:rPr>
-              <a:t>)</a:t>
-            </a:r>
-            <a:endParaRPr lang="en-US" altLang="ko-KR" sz="3200" b="1">
-              <a:solidFill>
-                <a:srgbClr val="FF0000"/>
-              </a:solidFill>
-            </a:endParaRPr>
-          </a:p>
-          <a:p>
-            <a:pPr marL="457200" indent="-457200">
-              <a:buFontTx/>
-              <a:buChar char="-"/>
-            </a:pPr>
-            <a:r>
-              <a:rPr lang="ko-KR" altLang="en-US" sz="3200" b="1">
-                <a:solidFill>
-                  <a:schemeClr val="tx1"/>
-                </a:solidFill>
-              </a:rPr>
-              <a:t>기술 내용 또는 소스코드 등 다양한 방법으로 </a:t>
-            </a:r>
-            <a:r>
-              <a:rPr lang="ko-KR" altLang="en-US" sz="3200" b="1">
-                <a:solidFill>
-                  <a:srgbClr val="FF0000"/>
-                </a:solidFill>
-              </a:rPr>
-              <a:t>핵심을 </a:t>
-            </a:r>
-            <a:r>
-              <a:rPr lang="ko-KR" altLang="en-US" sz="3200" b="1" smtClean="0">
-                <a:solidFill>
-                  <a:srgbClr val="FF0000"/>
-                </a:solidFill>
-              </a:rPr>
-              <a:t>소개</a:t>
-            </a:r>
-            <a:r>
-              <a:rPr lang="en-US" altLang="ko-KR" sz="3200" b="1" smtClean="0">
-                <a:solidFill>
-                  <a:srgbClr val="FF0000"/>
-                </a:solidFill>
-              </a:rPr>
-              <a:t>(</a:t>
-            </a:r>
-            <a:r>
-              <a:rPr lang="ko-KR" altLang="en-US" sz="3200" b="1" smtClean="0">
-                <a:solidFill>
-                  <a:srgbClr val="FF0000"/>
-                </a:solidFill>
-              </a:rPr>
-              <a:t>각 부분 주요한 부분 코드 보여주고 대충 설명해</a:t>
-            </a:r>
-            <a:r>
-              <a:rPr lang="en-US" altLang="ko-KR" sz="3200" b="1" smtClean="0">
-                <a:solidFill>
-                  <a:srgbClr val="FF0000"/>
-                </a:solidFill>
-              </a:rPr>
-              <a:t>)</a:t>
-            </a:r>
-            <a:endParaRPr lang="en-US" altLang="ko-KR" sz="3200" b="1">
-              <a:solidFill>
-                <a:srgbClr val="FF0000"/>
-              </a:solidFill>
-            </a:endParaRPr>
-          </a:p>
-          <a:p>
-            <a:pPr marL="457200" indent="-457200">
-              <a:buFontTx/>
-              <a:buChar char="-"/>
-            </a:pPr>
-            <a:r>
-              <a:rPr lang="ko-KR" altLang="en-US" sz="3200" b="1">
-                <a:solidFill>
-                  <a:schemeClr val="tx1"/>
-                </a:solidFill>
-              </a:rPr>
-              <a:t>페이지 수 </a:t>
-            </a:r>
-            <a:r>
-              <a:rPr lang="ko-KR" altLang="en-US" sz="3200" b="1" err="1" smtClean="0">
-                <a:solidFill>
-                  <a:schemeClr val="tx1"/>
-                </a:solidFill>
-              </a:rPr>
-              <a:t>무관ㅇㅋ</a:t>
-            </a:r>
-            <a:endParaRPr lang="ko-KR" altLang="en-US" sz="3200" b="1">
-              <a:solidFill>
-                <a:schemeClr val="tx1"/>
-              </a:solidFill>
-            </a:endParaRPr>
           </a:p>
         </p:txBody>
       </p:sp>
@@ -7855,190 +7135,6 @@
               </a:rPr>
               <a:t>핵심 기술</a:t>
             </a:r>
-          </a:p>
-        </p:txBody>
-      </p:sp>
-      <p:sp>
-        <p:nvSpPr>
-          <p:cNvPr id="3" name="직사각형 2"/>
-          <p:cNvSpPr/>
-          <p:nvPr/>
-        </p:nvSpPr>
-        <p:spPr>
-          <a:xfrm>
-            <a:off x="0" y="10375067"/>
-            <a:ext cx="17346430" cy="2188564"/>
-          </a:xfrm>
-          <a:prstGeom prst="rect">
-            <a:avLst/>
-          </a:prstGeom>
-          <a:solidFill>
-            <a:srgbClr val="FFFF00"/>
-          </a:solidFill>
-        </p:spPr>
-        <p:style>
-          <a:lnRef idx="2">
-            <a:schemeClr val="accent1">
-              <a:shade val="50000"/>
-            </a:schemeClr>
-          </a:lnRef>
-          <a:fillRef idx="1">
-            <a:schemeClr val="accent1"/>
-          </a:fillRef>
-          <a:effectRef idx="0">
-            <a:schemeClr val="accent1"/>
-          </a:effectRef>
-          <a:fontRef idx="minor">
-            <a:schemeClr val="lt1"/>
-          </a:fontRef>
-        </p:style>
-        <p:txBody>
-          <a:bodyPr rtlCol="0" anchor="ctr"/>
-          <a:lstStyle/>
-          <a:p>
-            <a:pPr marL="457200" indent="-457200">
-              <a:buFontTx/>
-              <a:buChar char="-"/>
-            </a:pPr>
-            <a:r>
-              <a:rPr lang="ko-KR" altLang="en-US" sz="3200" b="1">
-                <a:solidFill>
-                  <a:schemeClr val="tx1"/>
-                </a:solidFill>
-              </a:rPr>
-              <a:t>개발에 사용된 가장 </a:t>
-            </a:r>
-            <a:r>
-              <a:rPr lang="ko-KR" altLang="en-US" sz="3200" b="1">
-                <a:solidFill>
-                  <a:srgbClr val="FF0000"/>
-                </a:solidFill>
-              </a:rPr>
-              <a:t>핵심적으로 구현된 기술 </a:t>
-            </a:r>
-            <a:r>
-              <a:rPr lang="ko-KR" altLang="en-US" sz="3200" b="1" smtClean="0">
-                <a:solidFill>
-                  <a:srgbClr val="FF0000"/>
-                </a:solidFill>
-              </a:rPr>
-              <a:t>소개</a:t>
-            </a:r>
-            <a:r>
-              <a:rPr lang="en-US" altLang="ko-KR" sz="3200" b="1" smtClean="0">
-                <a:solidFill>
-                  <a:srgbClr val="FF0000"/>
-                </a:solidFill>
-              </a:rPr>
-              <a:t>(PJT </a:t>
-            </a:r>
-            <a:r>
-              <a:rPr lang="ko-KR" altLang="en-US" sz="3200" b="1" smtClean="0">
-                <a:solidFill>
-                  <a:srgbClr val="FF0000"/>
-                </a:solidFill>
-              </a:rPr>
-              <a:t>일정에 나와있는거 소개</a:t>
-            </a:r>
-            <a:r>
-              <a:rPr lang="en-US" altLang="ko-KR" sz="3200" b="1" smtClean="0">
-                <a:solidFill>
-                  <a:srgbClr val="FF0000"/>
-                </a:solidFill>
-              </a:rPr>
-              <a:t>)</a:t>
-            </a:r>
-            <a:endParaRPr lang="en-US" altLang="ko-KR" sz="3200" b="1">
-              <a:solidFill>
-                <a:srgbClr val="FF0000"/>
-              </a:solidFill>
-            </a:endParaRPr>
-          </a:p>
-          <a:p>
-            <a:pPr marL="457200" indent="-457200">
-              <a:buFontTx/>
-              <a:buChar char="-"/>
-            </a:pPr>
-            <a:r>
-              <a:rPr lang="ko-KR" altLang="en-US" sz="3200" b="1">
-                <a:solidFill>
-                  <a:schemeClr val="tx1"/>
-                </a:solidFill>
-              </a:rPr>
-              <a:t>기술 내용 또는 소스코드 등 다양한 방법으로 </a:t>
-            </a:r>
-            <a:r>
-              <a:rPr lang="ko-KR" altLang="en-US" sz="3200" b="1">
-                <a:solidFill>
-                  <a:srgbClr val="FF0000"/>
-                </a:solidFill>
-              </a:rPr>
-              <a:t>핵심을 </a:t>
-            </a:r>
-            <a:r>
-              <a:rPr lang="ko-KR" altLang="en-US" sz="3200" b="1" smtClean="0">
-                <a:solidFill>
-                  <a:srgbClr val="FF0000"/>
-                </a:solidFill>
-              </a:rPr>
-              <a:t>소개</a:t>
-            </a:r>
-            <a:r>
-              <a:rPr lang="en-US" altLang="ko-KR" sz="3200" b="1" smtClean="0">
-                <a:solidFill>
-                  <a:srgbClr val="FF0000"/>
-                </a:solidFill>
-              </a:rPr>
-              <a:t>(</a:t>
-            </a:r>
-            <a:r>
-              <a:rPr lang="ko-KR" altLang="en-US" sz="3200" b="1" smtClean="0">
-                <a:solidFill>
-                  <a:srgbClr val="FF0000"/>
-                </a:solidFill>
-              </a:rPr>
-              <a:t>각 부분 주요한 부분 코드 보여주고 대충 설명해</a:t>
-            </a:r>
-            <a:r>
-              <a:rPr lang="en-US" altLang="ko-KR" sz="3200" b="1" smtClean="0">
-                <a:solidFill>
-                  <a:srgbClr val="FF0000"/>
-                </a:solidFill>
-              </a:rPr>
-              <a:t>)</a:t>
-            </a:r>
-            <a:endParaRPr lang="en-US" altLang="ko-KR" sz="3200" b="1">
-              <a:solidFill>
-                <a:srgbClr val="FF0000"/>
-              </a:solidFill>
-            </a:endParaRPr>
-          </a:p>
-          <a:p>
-            <a:pPr marL="457200" indent="-457200">
-              <a:buFontTx/>
-              <a:buChar char="-"/>
-            </a:pPr>
-            <a:r>
-              <a:rPr lang="ko-KR" altLang="en-US" sz="3200" b="1">
-                <a:solidFill>
-                  <a:schemeClr val="tx1"/>
-                </a:solidFill>
-              </a:rPr>
-              <a:t>페이지 수 </a:t>
-            </a:r>
-            <a:r>
-              <a:rPr lang="ko-KR" altLang="en-US" sz="3200" b="1" err="1" smtClean="0">
-                <a:solidFill>
-                  <a:schemeClr val="tx1"/>
-                </a:solidFill>
-              </a:rPr>
-              <a:t>무관ㅇㅋ</a:t>
-            </a:r>
-            <a:endParaRPr lang="ko-KR" altLang="en-US" sz="3200" b="1">
-              <a:solidFill>
-                <a:schemeClr val="tx1"/>
-              </a:solidFill>
-            </a:endParaRPr>
           </a:p>
         </p:txBody>
       </p:sp>
@@ -9252,190 +8348,6 @@
       </p:sp>
       <p:sp>
         <p:nvSpPr>
-          <p:cNvPr id="3" name="직사각형 2"/>
-          <p:cNvSpPr/>
-          <p:nvPr/>
-        </p:nvSpPr>
-        <p:spPr>
-          <a:xfrm>
-            <a:off x="0" y="10375067"/>
-            <a:ext cx="17346430" cy="2188564"/>
-          </a:xfrm>
-          <a:prstGeom prst="rect">
-            <a:avLst/>
-          </a:prstGeom>
-          <a:solidFill>
-            <a:srgbClr val="FFFF00"/>
-          </a:solidFill>
-        </p:spPr>
-        <p:style>
-          <a:lnRef idx="2">
-            <a:schemeClr val="accent1">
-              <a:shade val="50000"/>
-            </a:schemeClr>
-          </a:lnRef>
-          <a:fillRef idx="1">
-            <a:schemeClr val="accent1"/>
-          </a:fillRef>
-          <a:effectRef idx="0">
-            <a:schemeClr val="accent1"/>
-          </a:effectRef>
-          <a:fontRef idx="minor">
-            <a:schemeClr val="lt1"/>
-          </a:fontRef>
-        </p:style>
-        <p:txBody>
-          <a:bodyPr rtlCol="0" anchor="ctr"/>
-          <a:lstStyle/>
-          <a:p>
-            <a:pPr marL="457200" indent="-457200">
-              <a:buFontTx/>
-              <a:buChar char="-"/>
-            </a:pPr>
-            <a:r>
-              <a:rPr lang="ko-KR" altLang="en-US" sz="3200" b="1">
-                <a:solidFill>
-                  <a:schemeClr val="tx1"/>
-                </a:solidFill>
-              </a:rPr>
-              <a:t>개발에 사용된 가장 </a:t>
-            </a:r>
-            <a:r>
-              <a:rPr lang="ko-KR" altLang="en-US" sz="3200" b="1">
-                <a:solidFill>
-                  <a:srgbClr val="FF0000"/>
-                </a:solidFill>
-              </a:rPr>
-              <a:t>핵심적으로 구현된 기술 </a:t>
-            </a:r>
-            <a:r>
-              <a:rPr lang="ko-KR" altLang="en-US" sz="3200" b="1" smtClean="0">
-                <a:solidFill>
-                  <a:srgbClr val="FF0000"/>
-                </a:solidFill>
-              </a:rPr>
-              <a:t>소개</a:t>
-            </a:r>
-            <a:r>
-              <a:rPr lang="en-US" altLang="ko-KR" sz="3200" b="1" smtClean="0">
-                <a:solidFill>
-                  <a:srgbClr val="FF0000"/>
-                </a:solidFill>
-              </a:rPr>
-              <a:t>(PJT </a:t>
-            </a:r>
-            <a:r>
-              <a:rPr lang="ko-KR" altLang="en-US" sz="3200" b="1" smtClean="0">
-                <a:solidFill>
-                  <a:srgbClr val="FF0000"/>
-                </a:solidFill>
-              </a:rPr>
-              <a:t>일정에 나와있는거 소개</a:t>
-            </a:r>
-            <a:r>
-              <a:rPr lang="en-US" altLang="ko-KR" sz="3200" b="1" smtClean="0">
-                <a:solidFill>
-                  <a:srgbClr val="FF0000"/>
-                </a:solidFill>
-              </a:rPr>
-              <a:t>)</a:t>
-            </a:r>
-            <a:endParaRPr lang="en-US" altLang="ko-KR" sz="3200" b="1">
-              <a:solidFill>
-                <a:srgbClr val="FF0000"/>
-              </a:solidFill>
-            </a:endParaRPr>
-          </a:p>
-          <a:p>
-            <a:pPr marL="457200" indent="-457200">
-              <a:buFontTx/>
-              <a:buChar char="-"/>
-            </a:pPr>
-            <a:r>
-              <a:rPr lang="ko-KR" altLang="en-US" sz="3200" b="1">
-                <a:solidFill>
-                  <a:schemeClr val="tx1"/>
-                </a:solidFill>
-              </a:rPr>
-              <a:t>기술 내용 또는 소스코드 등 다양한 방법으로 </a:t>
-            </a:r>
-            <a:r>
-              <a:rPr lang="ko-KR" altLang="en-US" sz="3200" b="1">
-                <a:solidFill>
-                  <a:srgbClr val="FF0000"/>
-                </a:solidFill>
-              </a:rPr>
-              <a:t>핵심을 </a:t>
-            </a:r>
-            <a:r>
-              <a:rPr lang="ko-KR" altLang="en-US" sz="3200" b="1" smtClean="0">
-                <a:solidFill>
-                  <a:srgbClr val="FF0000"/>
-                </a:solidFill>
-              </a:rPr>
-              <a:t>소개</a:t>
-            </a:r>
-            <a:r>
-              <a:rPr lang="en-US" altLang="ko-KR" sz="3200" b="1" smtClean="0">
-                <a:solidFill>
-                  <a:srgbClr val="FF0000"/>
-                </a:solidFill>
-              </a:rPr>
-              <a:t>(</a:t>
-            </a:r>
-            <a:r>
-              <a:rPr lang="ko-KR" altLang="en-US" sz="3200" b="1" smtClean="0">
-                <a:solidFill>
-                  <a:srgbClr val="FF0000"/>
-                </a:solidFill>
-              </a:rPr>
-              <a:t>각 부분 주요한 부분 코드 보여주고 대충 설명해</a:t>
-            </a:r>
-            <a:r>
-              <a:rPr lang="en-US" altLang="ko-KR" sz="3200" b="1" smtClean="0">
-                <a:solidFill>
-                  <a:srgbClr val="FF0000"/>
-                </a:solidFill>
-              </a:rPr>
-              <a:t>)</a:t>
-            </a:r>
-            <a:endParaRPr lang="en-US" altLang="ko-KR" sz="3200" b="1">
-              <a:solidFill>
-                <a:srgbClr val="FF0000"/>
-              </a:solidFill>
-            </a:endParaRPr>
-          </a:p>
-          <a:p>
-            <a:pPr marL="457200" indent="-457200">
-              <a:buFontTx/>
-              <a:buChar char="-"/>
-            </a:pPr>
-            <a:r>
-              <a:rPr lang="ko-KR" altLang="en-US" sz="3200" b="1">
-                <a:solidFill>
-                  <a:schemeClr val="tx1"/>
-                </a:solidFill>
-              </a:rPr>
-              <a:t>페이지 수 </a:t>
-            </a:r>
-            <a:r>
-              <a:rPr lang="ko-KR" altLang="en-US" sz="3200" b="1" err="1" smtClean="0">
-                <a:solidFill>
-                  <a:schemeClr val="tx1"/>
-                </a:solidFill>
-              </a:rPr>
-              <a:t>무관ㅇㅋ</a:t>
-            </a:r>
-            <a:endParaRPr lang="ko-KR" altLang="en-US" sz="3200" b="1">
-              <a:solidFill>
-                <a:schemeClr val="tx1"/>
-              </a:solidFill>
-            </a:endParaRPr>
-          </a:p>
-        </p:txBody>
-      </p:sp>
-      <p:sp>
-        <p:nvSpPr>
           <p:cNvPr id="4" name="TextBox 3"/>
           <p:cNvSpPr txBox="1"/>
           <p:nvPr/>
@@ -9753,14 +8665,7 @@
                 <a:latin typeface="LG스마트체2.0 Regular" panose="020B0600000101010101" pitchFamily="50" charset="-127"/>
                 <a:ea typeface="LG스마트체2.0 Regular" panose="020B0600000101010101" pitchFamily="50" charset="-127"/>
               </a:rPr>
-              <a:t>에 적용했을 때 정상 동작함을 확</a:t>
-            </a:r>
-            <a:r>
-              <a:rPr lang="ko-KR" altLang="en-US" sz="2000" smtClean="0">
-                <a:latin typeface="LG스마트체2.0 Regular" panose="020B0600000101010101" pitchFamily="50" charset="-127"/>
-                <a:ea typeface="LG스마트체2.0 Regular" panose="020B0600000101010101" pitchFamily="50" charset="-127"/>
-              </a:rPr>
-              <a:t>인</a:t>
+              <a:t>에 적용했을 때 정상 동작함을 확인</a:t>
             </a:r>
             <a:endParaRPr lang="en-US" altLang="ko-KR" sz="2000">
               <a:latin typeface="LG스마트체2.0 Regular" panose="020B0600000101010101" pitchFamily="50" charset="-127"/>
@@ -10419,268 +9324,6 @@
       </p:sp>
       <p:sp>
         <p:nvSpPr>
-          <p:cNvPr id="3" name="직사각형 2"/>
-          <p:cNvSpPr/>
-          <p:nvPr/>
-        </p:nvSpPr>
-        <p:spPr>
-          <a:xfrm>
-            <a:off x="244862" y="10114094"/>
-            <a:ext cx="18328888" cy="2458388"/>
-          </a:xfrm>
-          <a:prstGeom prst="rect">
-            <a:avLst/>
-          </a:prstGeom>
-          <a:solidFill>
-            <a:srgbClr val="FFFF00"/>
-          </a:solidFill>
-        </p:spPr>
-        <p:style>
-          <a:lnRef idx="2">
-            <a:schemeClr val="accent1">
-              <a:shade val="50000"/>
-            </a:schemeClr>
-          </a:lnRef>
-          <a:fillRef idx="1">
-            <a:schemeClr val="accent1"/>
-          </a:fillRef>
-          <a:effectRef idx="0">
-            <a:schemeClr val="accent1"/>
-          </a:effectRef>
-          <a:fontRef idx="minor">
-            <a:schemeClr val="lt1"/>
-          </a:fontRef>
-        </p:style>
-        <p:txBody>
-          <a:bodyPr rtlCol="0" anchor="ctr"/>
-          <a:lstStyle/>
-          <a:p>
-            <a:pPr marL="457200" indent="-457200">
-              <a:buFontTx/>
-              <a:buChar char="-"/>
-            </a:pPr>
-            <a:r>
-              <a:rPr lang="ko-KR" altLang="en-US" sz="3200" b="1">
-                <a:solidFill>
-                  <a:schemeClr val="tx1"/>
-                </a:solidFill>
-              </a:rPr>
-              <a:t>결과물에 대한 성능측정 또는 </a:t>
-            </a:r>
-            <a:r>
-              <a:rPr lang="ko-KR" altLang="en-US" sz="3200" b="1">
-                <a:solidFill>
-                  <a:srgbClr val="FF0000"/>
-                </a:solidFill>
-              </a:rPr>
-              <a:t>목표달성 여부 등 </a:t>
-            </a:r>
-            <a:r>
-              <a:rPr lang="ko-KR" altLang="en-US" sz="3200" b="1" smtClean="0">
-                <a:solidFill>
-                  <a:srgbClr val="FF0000"/>
-                </a:solidFill>
-              </a:rPr>
-              <a:t>평가</a:t>
-            </a:r>
-            <a:r>
-              <a:rPr lang="en-US" altLang="ko-KR" sz="3200" b="1" smtClean="0">
-                <a:solidFill>
-                  <a:srgbClr val="FF0000"/>
-                </a:solidFill>
-              </a:rPr>
-              <a:t>(</a:t>
-            </a:r>
-            <a:r>
-              <a:rPr lang="ko-KR" altLang="en-US" sz="3200" b="1" smtClean="0">
-                <a:solidFill>
-                  <a:srgbClr val="FF0000"/>
-                </a:solidFill>
-              </a:rPr>
-              <a:t>예</a:t>
-            </a:r>
-            <a:r>
-              <a:rPr lang="en-US" altLang="ko-KR" sz="3200" b="1" smtClean="0">
-                <a:solidFill>
-                  <a:srgbClr val="FF0000"/>
-                </a:solidFill>
-              </a:rPr>
-              <a:t>- task </a:t>
-            </a:r>
-            <a:r>
-              <a:rPr lang="ko-KR" altLang="en-US" sz="3200" b="1" smtClean="0">
-                <a:solidFill>
-                  <a:srgbClr val="FF0000"/>
-                </a:solidFill>
-              </a:rPr>
-              <a:t>수십개 만들어도 잘 되더라</a:t>
-            </a:r>
-            <a:r>
-              <a:rPr lang="en-US" altLang="ko-KR" sz="3200" b="1" smtClean="0">
-                <a:solidFill>
-                  <a:srgbClr val="FF0000"/>
-                </a:solidFill>
-              </a:rPr>
-              <a:t>, TC</a:t>
-            </a:r>
-            <a:r>
-              <a:rPr lang="ko-KR" altLang="en-US" sz="3200" b="1" smtClean="0">
-                <a:solidFill>
-                  <a:srgbClr val="FF0000"/>
-                </a:solidFill>
-              </a:rPr>
-              <a:t>기반 설명</a:t>
-            </a:r>
-            <a:r>
-              <a:rPr lang="en-US" altLang="ko-KR" sz="3200" b="1" smtClean="0">
-                <a:solidFill>
-                  <a:srgbClr val="FF0000"/>
-                </a:solidFill>
-              </a:rPr>
-              <a:t>)</a:t>
-            </a:r>
-            <a:endParaRPr lang="en-US" altLang="ko-KR" sz="3200" b="1">
-              <a:solidFill>
-                <a:srgbClr val="FF0000"/>
-              </a:solidFill>
-            </a:endParaRPr>
-          </a:p>
-          <a:p>
-            <a:pPr marL="457200" indent="-457200">
-              <a:buFontTx/>
-              <a:buChar char="-"/>
-            </a:pPr>
-            <a:r>
-              <a:rPr lang="ko-KR" altLang="en-US" sz="3200" b="1">
-                <a:solidFill>
-                  <a:schemeClr val="tx1"/>
-                </a:solidFill>
-              </a:rPr>
-              <a:t>성능이 낮을 경우 원인 분석 및 개선책 검토 </a:t>
-            </a:r>
-            <a:r>
-              <a:rPr lang="ko-KR" altLang="en-US" sz="3200" b="1" smtClean="0">
-                <a:solidFill>
-                  <a:schemeClr val="tx1"/>
-                </a:solidFill>
-              </a:rPr>
-              <a:t>기록</a:t>
-            </a:r>
-            <a:r>
-              <a:rPr lang="en-US" altLang="ko-KR" sz="3200" b="1" smtClean="0">
-                <a:solidFill>
-                  <a:schemeClr val="tx1"/>
-                </a:solidFill>
-              </a:rPr>
-              <a:t>(</a:t>
-            </a:r>
-            <a:r>
-              <a:rPr lang="ko-KR" altLang="en-US" sz="3200" b="1" smtClean="0">
-                <a:solidFill>
-                  <a:schemeClr val="tx1"/>
-                </a:solidFill>
-              </a:rPr>
-              <a:t>개 잘됨 안써도됨</a:t>
-            </a:r>
-            <a:r>
-              <a:rPr lang="en-US" altLang="ko-KR" sz="3200" b="1" smtClean="0">
-                <a:solidFill>
-                  <a:schemeClr val="tx1"/>
-                </a:solidFill>
-              </a:rPr>
-              <a:t>)</a:t>
-            </a:r>
-            <a:endParaRPr lang="en-US" altLang="ko-KR" sz="3200" b="1">
-              <a:solidFill>
-                <a:schemeClr val="tx1"/>
-              </a:solidFill>
-            </a:endParaRPr>
-          </a:p>
-          <a:p>
-            <a:pPr marL="457200" indent="-457200">
-              <a:buFontTx/>
-              <a:buChar char="-"/>
-            </a:pPr>
-            <a:r>
-              <a:rPr lang="ko-KR" altLang="en-US" sz="3200" b="1">
-                <a:solidFill>
-                  <a:schemeClr val="tx1"/>
-                </a:solidFill>
-              </a:rPr>
-              <a:t>성능이 만족했을 경우 향후 활용 가능한 기대효과 </a:t>
-            </a:r>
-            <a:r>
-              <a:rPr lang="ko-KR" altLang="en-US" sz="3200" b="1" smtClean="0">
-                <a:solidFill>
-                  <a:schemeClr val="tx1"/>
-                </a:solidFill>
-              </a:rPr>
-              <a:t>기록</a:t>
-            </a:r>
-            <a:r>
-              <a:rPr lang="en-US" altLang="ko-KR" sz="3200" b="1" smtClean="0">
-                <a:solidFill>
-                  <a:schemeClr val="tx1"/>
-                </a:solidFill>
-              </a:rPr>
-              <a:t>(Snake</a:t>
-            </a:r>
-            <a:r>
-              <a:rPr lang="ko-KR" altLang="en-US" sz="3200" b="1" smtClean="0">
-                <a:solidFill>
-                  <a:schemeClr val="tx1"/>
-                </a:solidFill>
-              </a:rPr>
-              <a:t>같은거 만들 수 있음</a:t>
-            </a:r>
-            <a:r>
-              <a:rPr lang="en-US" altLang="ko-KR" sz="3200" b="1" smtClean="0">
-                <a:solidFill>
-                  <a:schemeClr val="tx1"/>
-                </a:solidFill>
-              </a:rPr>
-              <a:t>)</a:t>
-            </a:r>
-            <a:endParaRPr lang="en-US" altLang="ko-KR" sz="3200" b="1">
-              <a:solidFill>
-                <a:schemeClr val="tx1"/>
-              </a:solidFill>
-            </a:endParaRPr>
-          </a:p>
-          <a:p>
-            <a:pPr marL="457200" indent="-457200">
-              <a:buFontTx/>
-              <a:buChar char="-"/>
-            </a:pPr>
-            <a:r>
-              <a:rPr lang="ko-KR" altLang="en-US" sz="3200" b="1">
-                <a:solidFill>
-                  <a:schemeClr val="tx1"/>
-                </a:solidFill>
-              </a:rPr>
-              <a:t>가급적 </a:t>
-            </a:r>
-            <a:r>
-              <a:rPr lang="en-US" altLang="ko-KR" sz="3200" b="1">
-                <a:solidFill>
-                  <a:schemeClr val="tx1"/>
-                </a:solidFill>
-              </a:rPr>
-              <a:t>1 </a:t>
-            </a:r>
-            <a:r>
-              <a:rPr lang="ko-KR" altLang="en-US" sz="3200" b="1">
-                <a:solidFill>
-                  <a:schemeClr val="tx1"/>
-                </a:solidFill>
-              </a:rPr>
-              <a:t>페이지로 정리</a:t>
-            </a:r>
-          </a:p>
-        </p:txBody>
-      </p:sp>
-      <p:sp>
-        <p:nvSpPr>
           <p:cNvPr id="4" name="TextBox 3"/>
           <p:cNvSpPr txBox="1"/>
           <p:nvPr/>

--- a/Report/부트캠프_07기_01반_결과보고서(1팀).pptx
+++ b/Report/부트캠프_07기_01반_결과보고서(1팀).pptx
@@ -1701,265 +1701,14 @@
       </p:sp>
       <p:sp>
         <p:nvSpPr>
-          <p:cNvPr id="3" name="직사각형 2"/>
-          <p:cNvSpPr/>
-          <p:nvPr/>
-        </p:nvSpPr>
-        <p:spPr>
-          <a:xfrm>
-            <a:off x="884420" y="10317917"/>
-            <a:ext cx="14469880" cy="2203554"/>
-          </a:xfrm>
-          <a:prstGeom prst="rect">
-            <a:avLst/>
-          </a:prstGeom>
-          <a:solidFill>
-            <a:srgbClr val="FFFF00"/>
-          </a:solidFill>
-        </p:spPr>
-        <p:style>
-          <a:lnRef idx="2">
-            <a:schemeClr val="accent1">
-              <a:shade val="50000"/>
-            </a:schemeClr>
-          </a:lnRef>
-          <a:fillRef idx="1">
-            <a:schemeClr val="accent1"/>
-          </a:fillRef>
-          <a:effectRef idx="0">
-            <a:schemeClr val="accent1"/>
-          </a:effectRef>
-          <a:fontRef idx="minor">
-            <a:schemeClr val="lt1"/>
-          </a:fontRef>
-        </p:style>
-        <p:txBody>
-          <a:bodyPr rtlCol="0" anchor="ctr"/>
-          <a:lstStyle/>
-          <a:p>
-            <a:pPr marL="457200" indent="-457200">
-              <a:buFontTx/>
-              <a:buChar char="-"/>
-            </a:pPr>
-            <a:r>
-              <a:rPr lang="ko-KR" altLang="en-US" sz="3200" b="1">
-                <a:solidFill>
-                  <a:schemeClr val="tx1"/>
-                </a:solidFill>
-              </a:rPr>
-              <a:t>프로젝트 수행에 따른 </a:t>
-            </a:r>
-            <a:r>
-              <a:rPr lang="ko-KR" altLang="en-US" sz="3200" b="1" err="1" smtClean="0">
-                <a:solidFill>
-                  <a:schemeClr val="tx1"/>
-                </a:solidFill>
-              </a:rPr>
-              <a:t>느낀점</a:t>
-            </a:r>
-            <a:r>
-              <a:rPr lang="en-US" altLang="ko-KR" sz="3200" b="1" smtClean="0">
-                <a:solidFill>
-                  <a:schemeClr val="tx1"/>
-                </a:solidFill>
-              </a:rPr>
-              <a:t>(</a:t>
-            </a:r>
-            <a:r>
-              <a:rPr lang="ko-KR" altLang="en-US" sz="3200" b="1" smtClean="0">
-                <a:solidFill>
-                  <a:schemeClr val="tx1"/>
-                </a:solidFill>
-              </a:rPr>
-              <a:t>각자 쓰고 합쳐</a:t>
-            </a:r>
-            <a:r>
-              <a:rPr lang="en-US" altLang="ko-KR" sz="3200" b="1" smtClean="0">
-                <a:solidFill>
-                  <a:schemeClr val="tx1"/>
-                </a:solidFill>
-              </a:rPr>
-              <a:t>)</a:t>
-            </a:r>
-            <a:endParaRPr lang="en-US" altLang="ko-KR" sz="3200" b="1">
-              <a:solidFill>
-                <a:schemeClr val="tx1"/>
-              </a:solidFill>
-            </a:endParaRPr>
-          </a:p>
-          <a:p>
-            <a:pPr marL="457200" indent="-457200">
-              <a:buFontTx/>
-              <a:buChar char="-"/>
-            </a:pPr>
-            <a:r>
-              <a:rPr lang="ko-KR" altLang="en-US" sz="3200" b="1" err="1">
-                <a:solidFill>
-                  <a:schemeClr val="tx1"/>
-                </a:solidFill>
-              </a:rPr>
-              <a:t>개발중</a:t>
-            </a:r>
-            <a:r>
-              <a:rPr lang="ko-KR" altLang="en-US" sz="3200" b="1">
-                <a:solidFill>
-                  <a:schemeClr val="tx1"/>
-                </a:solidFill>
-              </a:rPr>
-              <a:t> 어려웠던 점 그리고 이를 극복한 사연 </a:t>
-            </a:r>
-            <a:r>
-              <a:rPr lang="ko-KR" altLang="en-US" sz="3200" b="1" smtClean="0">
-                <a:solidFill>
-                  <a:schemeClr val="tx1"/>
-                </a:solidFill>
-              </a:rPr>
-              <a:t>등</a:t>
-            </a:r>
-            <a:r>
-              <a:rPr lang="en-US" altLang="ko-KR" sz="3200" b="1" smtClean="0">
-                <a:solidFill>
-                  <a:schemeClr val="tx1"/>
-                </a:solidFill>
-              </a:rPr>
-              <a:t>(</a:t>
-            </a:r>
-            <a:r>
-              <a:rPr lang="ko-KR" altLang="en-US" sz="3200" b="1" smtClean="0">
-                <a:solidFill>
-                  <a:schemeClr val="tx1"/>
-                </a:solidFill>
-              </a:rPr>
-              <a:t>각자 쓰고 합쳐</a:t>
-            </a:r>
-            <a:r>
-              <a:rPr lang="en-US" altLang="ko-KR" sz="3200" b="1" smtClean="0">
-                <a:solidFill>
-                  <a:schemeClr val="tx1"/>
-                </a:solidFill>
-              </a:rPr>
-              <a:t>)</a:t>
-            </a:r>
-            <a:endParaRPr lang="en-US" altLang="ko-KR" sz="3200" b="1">
-              <a:solidFill>
-                <a:schemeClr val="tx1"/>
-              </a:solidFill>
-            </a:endParaRPr>
-          </a:p>
-          <a:p>
-            <a:pPr marL="457200" indent="-457200">
-              <a:buFontTx/>
-              <a:buChar char="-"/>
-            </a:pPr>
-            <a:r>
-              <a:rPr lang="ko-KR" altLang="en-US" sz="3200" b="1">
-                <a:solidFill>
-                  <a:schemeClr val="tx1"/>
-                </a:solidFill>
-              </a:rPr>
-              <a:t>교육과 프로젝트를 마무리한 소회 등</a:t>
-            </a:r>
-            <a:r>
-              <a:rPr lang="en-US" altLang="ko-KR" sz="3200" b="1">
-                <a:solidFill>
-                  <a:schemeClr val="tx1"/>
-                </a:solidFill>
-              </a:rPr>
-              <a:t>… 1</a:t>
-            </a:r>
-            <a:r>
-              <a:rPr lang="ko-KR" altLang="en-US" sz="3200" b="1">
-                <a:solidFill>
-                  <a:schemeClr val="tx1"/>
-                </a:solidFill>
-              </a:rPr>
-              <a:t>페이지로 정리 </a:t>
-            </a:r>
-            <a:r>
-              <a:rPr lang="en-US" altLang="ko-KR" sz="3200" b="1" smtClean="0">
-                <a:solidFill>
-                  <a:schemeClr val="tx1"/>
-                </a:solidFill>
-              </a:rPr>
-              <a:t>(</a:t>
-            </a:r>
-            <a:r>
-              <a:rPr lang="ko-KR" altLang="en-US" sz="3200" b="1" smtClean="0">
-                <a:solidFill>
-                  <a:schemeClr val="tx1"/>
-                </a:solidFill>
-              </a:rPr>
-              <a:t>각자 쓰고 합쳐</a:t>
-            </a:r>
-            <a:r>
-              <a:rPr lang="en-US" altLang="ko-KR" sz="3200" b="1" smtClean="0">
-                <a:solidFill>
-                  <a:schemeClr val="tx1"/>
-                </a:solidFill>
-              </a:rPr>
-              <a:t>)</a:t>
-            </a:r>
-            <a:endParaRPr lang="ko-KR" altLang="en-US" sz="3200" b="1">
-              <a:solidFill>
-                <a:schemeClr val="tx1"/>
-              </a:solidFill>
-            </a:endParaRPr>
-          </a:p>
-        </p:txBody>
-      </p:sp>
-      <p:sp>
-        <p:nvSpPr>
-          <p:cNvPr id="4" name="직사각형 3"/>
-          <p:cNvSpPr/>
-          <p:nvPr/>
-        </p:nvSpPr>
-        <p:spPr>
-          <a:xfrm>
-            <a:off x="3664207" y="1575372"/>
-            <a:ext cx="11690093" cy="6711378"/>
-          </a:xfrm>
-          <a:prstGeom prst="rect">
-            <a:avLst/>
-          </a:prstGeom>
-        </p:spPr>
-        <p:style>
-          <a:lnRef idx="2">
-            <a:schemeClr val="accent1">
-              <a:shade val="50000"/>
-            </a:schemeClr>
-          </a:lnRef>
-          <a:fillRef idx="1">
-            <a:schemeClr val="accent1"/>
-          </a:fillRef>
-          <a:effectRef idx="0">
-            <a:schemeClr val="accent1"/>
-          </a:effectRef>
-          <a:fontRef idx="minor">
-            <a:schemeClr val="lt1"/>
-          </a:fontRef>
-        </p:style>
-        <p:txBody>
-          <a:bodyPr rtlCol="0" anchor="ctr"/>
-          <a:lstStyle/>
-          <a:p>
-            <a:pPr algn="ctr"/>
-            <a:r>
-              <a:rPr lang="en-US" altLang="ko-KR" smtClean="0"/>
-              <a:t>TBD</a:t>
-            </a:r>
-          </a:p>
-        </p:txBody>
-      </p:sp>
-      <p:sp>
-        <p:nvSpPr>
           <p:cNvPr id="5" name="TextBox 4"/>
           <p:cNvSpPr txBox="1"/>
           <p:nvPr/>
         </p:nvSpPr>
         <p:spPr>
           <a:xfrm>
-            <a:off x="737675" y="1800664"/>
-            <a:ext cx="2630848" cy="7078861"/>
+            <a:off x="737676" y="1800664"/>
+            <a:ext cx="16566652" cy="8279190"/>
           </a:xfrm>
           <a:prstGeom prst="rect">
             <a:avLst/>
@@ -1967,7 +1716,7 @@
           <a:noFill/>
         </p:spPr>
         <p:txBody>
-          <a:bodyPr wrap="none" rtlCol="0">
+          <a:bodyPr wrap="square" rtlCol="0">
             <a:spAutoFit/>
           </a:bodyPr>
           <a:lstStyle/>
@@ -2007,6 +1756,54 @@
               </a:rPr>
               <a:t>: </a:t>
             </a:r>
+            <a:r>
+              <a:rPr lang="en-US" altLang="ko-KR" sz="2000"/>
+              <a:t>RTOS</a:t>
+            </a:r>
+            <a:r>
+              <a:rPr lang="ko-KR" altLang="en-US" sz="2000"/>
+              <a:t>의 구조와 동작 원리를 실습을 통해 깊이 이해할 수 있었습니다</a:t>
+            </a:r>
+            <a:r>
+              <a:rPr lang="en-US" altLang="ko-KR" sz="2000"/>
+              <a:t>. </a:t>
+            </a:r>
+            <a:r>
+              <a:rPr lang="ko-KR" altLang="en-US" sz="2000"/>
+              <a:t>특히</a:t>
+            </a:r>
+            <a:r>
+              <a:rPr lang="en-US" altLang="ko-KR" sz="2000"/>
+              <a:t>, </a:t>
+            </a:r>
+            <a:r>
+              <a:rPr lang="ko-KR" altLang="en-US" sz="2000"/>
+              <a:t>우선순위 상속과 컨텍스트 스위칭 등의 핵심 </a:t>
+            </a:r>
+            <a:r>
+              <a:rPr lang="ko-KR" altLang="en-US" sz="2000"/>
+              <a:t>기능을 </a:t>
+            </a:r>
+            <a:r>
+              <a:rPr lang="en-US" altLang="ko-KR" sz="2000" smtClean="0"/>
+              <a:t>	</a:t>
+            </a:r>
+            <a:r>
+              <a:rPr lang="ko-KR" altLang="en-US" sz="2000" smtClean="0"/>
+              <a:t>구현하며 </a:t>
+            </a:r>
+            <a:r>
+              <a:rPr lang="ko-KR" altLang="en-US" sz="2000"/>
+              <a:t>실무 지식을 쌓을 수 있었습니다</a:t>
+            </a:r>
+            <a:r>
+              <a:rPr lang="en-US" altLang="ko-KR" sz="2000"/>
+              <a:t>.</a:t>
+            </a:r>
+            <a:endParaRPr lang="en-US" altLang="ko-KR" sz="2000" smtClean="0">
+              <a:latin typeface="LG스마트체2.0 Regular" panose="020B0600000101010101" pitchFamily="50" charset="-127"/>
+              <a:ea typeface="LG스마트체2.0 Regular" panose="020B0600000101010101" pitchFamily="50" charset="-127"/>
+            </a:endParaRPr>
           </a:p>
           <a:p>
             <a:pPr marL="800100" lvl="1" indent="-342900">
@@ -2025,7 +1822,47 @@
                 <a:latin typeface="LG스마트체2.0 Regular" panose="020B0600000101010101" pitchFamily="50" charset="-127"/>
                 <a:ea typeface="LG스마트체2.0 Regular" panose="020B0600000101010101" pitchFamily="50" charset="-127"/>
               </a:rPr>
-              <a:t>:</a:t>
+              <a:t>: </a:t>
+            </a:r>
+            <a:r>
+              <a:rPr lang="ko-KR" altLang="en-US" sz="2000"/>
+              <a:t>동기화와 컨텍스트 스위칭 구현에서 많은 어려움이 있었습니다</a:t>
+            </a:r>
+            <a:r>
+              <a:rPr lang="en-US" altLang="ko-KR" sz="2000"/>
+              <a:t>. </a:t>
+            </a:r>
+            <a:r>
+              <a:rPr lang="ko-KR" altLang="en-US" sz="2000"/>
+              <a:t>특히</a:t>
+            </a:r>
+            <a:r>
+              <a:rPr lang="en-US" altLang="ko-KR" sz="2000"/>
+              <a:t>, Mutex</a:t>
+            </a:r>
+            <a:r>
+              <a:rPr lang="ko-KR" altLang="en-US" sz="2000"/>
+              <a:t>를 통한 임계 구역 보호와 우선순위 상속 </a:t>
+            </a:r>
+            <a:r>
+              <a:rPr lang="ko-KR" altLang="en-US" sz="2000"/>
+              <a:t>구현 </a:t>
+            </a:r>
+            <a:r>
+              <a:rPr lang="en-US" altLang="ko-KR" sz="2000" smtClean="0"/>
+              <a:t>	</a:t>
+            </a:r>
+            <a:r>
+              <a:rPr lang="ko-KR" altLang="en-US" sz="2000" smtClean="0"/>
+              <a:t>과정에서 </a:t>
+            </a:r>
+            <a:r>
+              <a:rPr lang="ko-KR" altLang="en-US" sz="2000"/>
+              <a:t>디버깅 및 테스트가 매우 복잡했습니다</a:t>
+            </a:r>
+            <a:r>
+              <a:rPr lang="en-US" altLang="ko-KR" sz="2000"/>
+              <a:t>.</a:t>
             </a:r>
             <a:endParaRPr lang="en-US" altLang="ko-KR" sz="2000">
               <a:latin typeface="LG스마트체2.0 Regular" panose="020B0600000101010101" pitchFamily="50" charset="-127"/>
@@ -2049,8 +1886,24 @@
                 <a:latin typeface="LG스마트체2.0 Regular" panose="020B0600000101010101" pitchFamily="50" charset="-127"/>
                 <a:ea typeface="LG스마트체2.0 Regular" panose="020B0600000101010101" pitchFamily="50" charset="-127"/>
               </a:rPr>
-              <a:t>:</a:t>
-            </a:r>
+              <a:t>: </a:t>
+            </a:r>
+            <a:r>
+              <a:rPr lang="en-US" altLang="ko-KR" sz="2000"/>
+              <a:t>RTOS </a:t>
+            </a:r>
+            <a:r>
+              <a:rPr lang="ko-KR" altLang="en-US" sz="2000"/>
+              <a:t>프로젝트를 수행하며 실무에서의 응용 가능성을 체험하는 매우 유익한 시간이었습니다</a:t>
+            </a:r>
+            <a:r>
+              <a:rPr lang="en-US" altLang="ko-KR" sz="2000"/>
+              <a:t>.</a:t>
+            </a:r>
+            <a:endParaRPr lang="en-US" altLang="ko-KR" sz="2000" smtClean="0">
+              <a:latin typeface="LG스마트체2.0 Regular" panose="020B0600000101010101" pitchFamily="50" charset="-127"/>
+              <a:ea typeface="LG스마트체2.0 Regular" panose="020B0600000101010101" pitchFamily="50" charset="-127"/>
+            </a:endParaRPr>
           </a:p>
           <a:p>
             <a:pPr marL="800100" lvl="1" indent="-342900">
@@ -2098,6 +1951,54 @@
               </a:rPr>
               <a:t>: </a:t>
             </a:r>
+            <a:r>
+              <a:rPr lang="ko-KR" altLang="en-US" sz="2000"/>
+              <a:t>현업에서 가전 </a:t>
+            </a:r>
+            <a:r>
+              <a:rPr lang="en-US" altLang="ko-KR" sz="2000"/>
+              <a:t>OS </a:t>
+            </a:r>
+            <a:r>
+              <a:rPr lang="ko-KR" altLang="en-US" sz="2000"/>
+              <a:t>개발을 하면서 </a:t>
+            </a:r>
+            <a:r>
+              <a:rPr lang="en-US" altLang="ko-KR" sz="2000"/>
+              <a:t>Free RTOS </a:t>
+            </a:r>
+            <a:r>
+              <a:rPr lang="ko-KR" altLang="en-US" sz="2000"/>
+              <a:t>기반으로 하는 일을 했는데 직접 만들어보니 </a:t>
+            </a:r>
+            <a:r>
+              <a:rPr lang="en-US" altLang="ko-KR" sz="2000"/>
+              <a:t>OS </a:t>
+            </a:r>
+            <a:r>
+              <a:rPr lang="ko-KR" altLang="en-US" sz="2000"/>
+              <a:t>가 대단한 일을 하고 있음을 느낄 </a:t>
+            </a:r>
+            <a:r>
+              <a:rPr lang="ko-KR" altLang="en-US" sz="2000"/>
+              <a:t>수 </a:t>
+            </a:r>
+            <a:r>
+              <a:rPr lang="en-US" altLang="ko-KR" sz="2000" smtClean="0"/>
+              <a:t>	</a:t>
+            </a:r>
+            <a:r>
+              <a:rPr lang="ko-KR" altLang="en-US" sz="2000" smtClean="0"/>
+              <a:t>있었습니다</a:t>
+            </a:r>
+            <a:r>
+              <a:rPr lang="en-US" altLang="ko-KR" sz="2000"/>
+              <a:t>.</a:t>
+            </a:r>
+            <a:endParaRPr lang="en-US" altLang="ko-KR" sz="2000">
+              <a:latin typeface="LG스마트체2.0 Regular" panose="020B0600000101010101" pitchFamily="50" charset="-127"/>
+              <a:ea typeface="LG스마트체2.0 Regular" panose="020B0600000101010101" pitchFamily="50" charset="-127"/>
+            </a:endParaRPr>
           </a:p>
           <a:p>
             <a:pPr marL="800100" lvl="1" indent="-342900">
@@ -2112,12 +2013,52 @@
               <a:t>어려웠던 점</a:t>
             </a:r>
             <a:r>
-              <a:rPr lang="en-US" altLang="ko-KR" sz="2000">
-                <a:latin typeface="LG스마트체2.0 Regular" panose="020B0600000101010101" pitchFamily="50" charset="-127"/>
-                <a:ea typeface="LG스마트체2.0 Regular" panose="020B0600000101010101" pitchFamily="50" charset="-127"/>
-              </a:rPr>
-              <a:t>:</a:t>
-            </a:r>
+              <a:rPr lang="en-US" altLang="ko-KR" sz="2000" smtClean="0">
+                <a:latin typeface="LG스마트체2.0 Regular" panose="020B0600000101010101" pitchFamily="50" charset="-127"/>
+                <a:ea typeface="LG스마트체2.0 Regular" panose="020B0600000101010101" pitchFamily="50" charset="-127"/>
+              </a:rPr>
+              <a:t>: </a:t>
+            </a:r>
+            <a:r>
+              <a:rPr lang="en-US" altLang="ko-KR" sz="2000"/>
+              <a:t>Task </a:t>
+            </a:r>
+            <a:r>
+              <a:rPr lang="ko-KR" altLang="en-US" sz="2000"/>
+              <a:t>간의 </a:t>
+            </a:r>
+            <a:r>
+              <a:rPr lang="en-US" altLang="ko-KR" sz="2000"/>
+              <a:t>Signal</a:t>
+            </a:r>
+            <a:r>
+              <a:rPr lang="ko-KR" altLang="en-US" sz="2000"/>
+              <a:t>을 주고 </a:t>
+            </a:r>
+            <a:r>
+              <a:rPr lang="en-US" altLang="ko-KR" sz="2000"/>
+              <a:t>Wait </a:t>
+            </a:r>
+            <a:r>
+              <a:rPr lang="ko-KR" altLang="en-US" sz="2000"/>
+              <a:t>하면서 기다리고 </a:t>
+            </a:r>
+            <a:r>
+              <a:rPr lang="en-US" altLang="ko-KR" sz="2000"/>
+              <a:t>queue</a:t>
+            </a:r>
+            <a:r>
+              <a:rPr lang="ko-KR" altLang="en-US" sz="2000"/>
+              <a:t>등에 대한 개념과 구현 모두 어려웠습니다</a:t>
+            </a:r>
+            <a:r>
+              <a:rPr lang="en-US" altLang="ko-KR" sz="2000"/>
+              <a:t>.</a:t>
+            </a:r>
+            <a:endParaRPr lang="en-US" altLang="ko-KR" sz="2000">
+              <a:latin typeface="LG스마트체2.0 Regular" panose="020B0600000101010101" pitchFamily="50" charset="-127"/>
+              <a:ea typeface="LG스마트체2.0 Regular" panose="020B0600000101010101" pitchFamily="50" charset="-127"/>
+            </a:endParaRPr>
           </a:p>
           <a:p>
             <a:pPr marL="800100" lvl="1" indent="-342900">
@@ -2132,12 +2073,48 @@
               <a:t>교육 종료 소감</a:t>
             </a:r>
             <a:r>
-              <a:rPr lang="en-US" altLang="ko-KR" sz="2000">
-                <a:latin typeface="LG스마트체2.0 Regular" panose="020B0600000101010101" pitchFamily="50" charset="-127"/>
-                <a:ea typeface="LG스마트체2.0 Regular" panose="020B0600000101010101" pitchFamily="50" charset="-127"/>
-              </a:rPr>
-              <a:t>:</a:t>
-            </a:r>
+              <a:rPr lang="en-US" altLang="ko-KR" sz="2000" smtClean="0">
+                <a:latin typeface="LG스마트체2.0 Regular" panose="020B0600000101010101" pitchFamily="50" charset="-127"/>
+                <a:ea typeface="LG스마트체2.0 Regular" panose="020B0600000101010101" pitchFamily="50" charset="-127"/>
+              </a:rPr>
+              <a:t>: </a:t>
+            </a:r>
+            <a:r>
+              <a:rPr lang="ko-KR" altLang="en-US" sz="2000"/>
+              <a:t>동료들과 협업해서 하는 프로젝트는 처음이었는데 모듈단위로 나누어서 일을 해야함을 배울 수 있었습니다</a:t>
+            </a:r>
+            <a:r>
+              <a:rPr lang="en-US" altLang="ko-KR" sz="2000"/>
+              <a:t>. </a:t>
+            </a:r>
+            <a:r>
+              <a:rPr lang="ko-KR" altLang="en-US" sz="2000"/>
+              <a:t>훌륭한 </a:t>
+            </a:r>
+            <a:r>
+              <a:rPr lang="ko-KR" altLang="en-US" sz="2000"/>
+              <a:t>동료들과 </a:t>
+            </a:r>
+            <a:r>
+              <a:rPr lang="en-US" altLang="ko-KR" sz="2000" smtClean="0"/>
+              <a:t>	</a:t>
+            </a:r>
+            <a:r>
+              <a:rPr lang="ko-KR" altLang="en-US" sz="2000" smtClean="0"/>
+              <a:t>같이 </a:t>
+            </a:r>
+            <a:r>
+              <a:rPr lang="ko-KR" altLang="en-US" sz="2000"/>
+              <a:t>프로젝트를 할 수 있어서 감사했습니다</a:t>
+            </a:r>
+            <a:r>
+              <a:rPr lang="en-US" altLang="ko-KR" sz="2000"/>
+              <a:t>.</a:t>
+            </a:r>
+            <a:endParaRPr lang="en-US" altLang="ko-KR" sz="2000">
+              <a:latin typeface="LG스마트체2.0 Regular" panose="020B0600000101010101" pitchFamily="50" charset="-127"/>
+              <a:ea typeface="LG스마트체2.0 Regular" panose="020B0600000101010101" pitchFamily="50" charset="-127"/>
+            </a:endParaRPr>
           </a:p>
           <a:p>
             <a:pPr marL="800100" lvl="1" indent="-342900">
@@ -2272,6 +2249,26 @@
               </a:rPr>
               <a:t>: </a:t>
             </a:r>
+            <a:r>
+              <a:rPr lang="ko-KR" altLang="en-US" sz="2000"/>
+              <a:t>모든 </a:t>
+            </a:r>
+            <a:r>
+              <a:rPr lang="en-US" altLang="ko-KR" sz="2000"/>
+              <a:t>SW </a:t>
+            </a:r>
+            <a:r>
+              <a:rPr lang="ko-KR" altLang="en-US" sz="2000"/>
+              <a:t>개발자들에게 경의를 표합니다</a:t>
+            </a:r>
+            <a:r>
+              <a:rPr lang="en-US" altLang="ko-KR" sz="2000"/>
+              <a:t>.</a:t>
+            </a:r>
+            <a:endParaRPr lang="en-US" altLang="ko-KR" sz="2000">
+              <a:latin typeface="LG스마트체2.0 Regular" panose="020B0600000101010101" pitchFamily="50" charset="-127"/>
+              <a:ea typeface="LG스마트체2.0 Regular" panose="020B0600000101010101" pitchFamily="50" charset="-127"/>
+            </a:endParaRPr>
           </a:p>
           <a:p>
             <a:pPr marL="800100" lvl="1" indent="-342900">
@@ -2286,12 +2283,40 @@
               <a:t>어려웠던 점</a:t>
             </a:r>
             <a:r>
-              <a:rPr lang="en-US" altLang="ko-KR" sz="2000">
-                <a:latin typeface="LG스마트체2.0 Regular" panose="020B0600000101010101" pitchFamily="50" charset="-127"/>
-                <a:ea typeface="LG스마트체2.0 Regular" panose="020B0600000101010101" pitchFamily="50" charset="-127"/>
-              </a:rPr>
-              <a:t>:</a:t>
-            </a:r>
+              <a:rPr lang="en-US" altLang="ko-KR" sz="2000" smtClean="0">
+                <a:latin typeface="LG스마트체2.0 Regular" panose="020B0600000101010101" pitchFamily="50" charset="-127"/>
+                <a:ea typeface="LG스마트체2.0 Regular" panose="020B0600000101010101" pitchFamily="50" charset="-127"/>
+              </a:rPr>
+              <a:t>: </a:t>
+            </a:r>
+            <a:r>
+              <a:rPr lang="ko-KR" altLang="en-US" sz="2000"/>
+              <a:t>과거 학부에서 </a:t>
+            </a:r>
+            <a:r>
+              <a:rPr lang="en-US" altLang="ko-KR" sz="2000"/>
+              <a:t>RTOS</a:t>
+            </a:r>
+            <a:r>
+              <a:rPr lang="ko-KR" altLang="en-US" sz="2000"/>
+              <a:t>를 배웠으나 직접 구현한 적은 없어 이를 </a:t>
+            </a:r>
+            <a:r>
+              <a:rPr lang="en-US" altLang="ko-KR" sz="2000"/>
+              <a:t>low level</a:t>
+            </a:r>
+            <a:r>
+              <a:rPr lang="ko-KR" altLang="en-US" sz="2000"/>
+              <a:t>로 구현하는 데에 어려웠습니다</a:t>
+            </a:r>
+            <a:r>
+              <a:rPr lang="en-US" altLang="ko-KR" sz="2000"/>
+              <a:t>.</a:t>
+            </a:r>
+            <a:endParaRPr lang="en-US" altLang="ko-KR" sz="2000">
+              <a:latin typeface="LG스마트체2.0 Regular" panose="020B0600000101010101" pitchFamily="50" charset="-127"/>
+              <a:ea typeface="LG스마트체2.0 Regular" panose="020B0600000101010101" pitchFamily="50" charset="-127"/>
+            </a:endParaRPr>
           </a:p>
           <a:p>
             <a:pPr marL="800100" lvl="1" indent="-342900">
@@ -2306,12 +2331,32 @@
               <a:t>교육 종료 소감</a:t>
             </a:r>
             <a:r>
-              <a:rPr lang="en-US" altLang="ko-KR" sz="2000">
-                <a:latin typeface="LG스마트체2.0 Regular" panose="020B0600000101010101" pitchFamily="50" charset="-127"/>
-                <a:ea typeface="LG스마트체2.0 Regular" panose="020B0600000101010101" pitchFamily="50" charset="-127"/>
-              </a:rPr>
-              <a:t>:</a:t>
-            </a:r>
+              <a:rPr lang="en-US" altLang="ko-KR" sz="2000" smtClean="0">
+                <a:latin typeface="LG스마트체2.0 Regular" panose="020B0600000101010101" pitchFamily="50" charset="-127"/>
+                <a:ea typeface="LG스마트체2.0 Regular" panose="020B0600000101010101" pitchFamily="50" charset="-127"/>
+              </a:rPr>
+              <a:t>: </a:t>
+            </a:r>
+            <a:r>
+              <a:rPr lang="ko-KR" altLang="en-US" sz="2000"/>
+              <a:t>이 교육을 계기로 좀 더 발전할 수 있었습니다</a:t>
+            </a:r>
+            <a:r>
+              <a:rPr lang="en-US" altLang="ko-KR" sz="2000"/>
+              <a:t>. </a:t>
+            </a:r>
+            <a:r>
+              <a:rPr lang="ko-KR" altLang="en-US" sz="2000"/>
+              <a:t>마지막 신입사원 교육이라 마음이 아프네요</a:t>
+            </a:r>
+            <a:r>
+              <a:rPr lang="en-US" altLang="ko-KR" sz="2000"/>
+              <a:t>.</a:t>
+            </a:r>
+            <a:endParaRPr lang="en-US" altLang="ko-KR" sz="2000">
+              <a:latin typeface="LG스마트체2.0 Regular" panose="020B0600000101010101" pitchFamily="50" charset="-127"/>
+              <a:ea typeface="LG스마트체2.0 Regular" panose="020B0600000101010101" pitchFamily="50" charset="-127"/>
+            </a:endParaRPr>
           </a:p>
           <a:p>
             <a:pPr marL="800100" lvl="1" indent="-342900">
